--- a/90SPI.pptx
+++ b/90SPI.pptx
@@ -201,7 +201,7 @@
           <a:p>
             <a:fld id="{4FC2A5BB-59AF-E849-B42E-AFE9BE9BFBD6}" type="datetimeFigureOut">
               <a:rPr lang="fr-FR" smtClean="0"/>
-              <a:t>29/05/16</a:t>
+              <a:t>08/06/16</a:t>
             </a:fld>
             <a:endParaRPr lang="fr-FR"/>
           </a:p>
@@ -670,7 +670,7 @@
           <a:p>
             <a:fld id="{D728701E-CAF4-4159-9B3E-41C86DFFA30D}" type="datetimeFigureOut">
               <a:rPr lang="en-US" smtClean="0"/>
-              <a:t>29/05/16</a:t>
+              <a:t>08/06/16</a:t>
             </a:fld>
             <a:endParaRPr lang="en-US"/>
           </a:p>
@@ -1124,7 +1124,7 @@
           <a:p>
             <a:fld id="{D728701E-CAF4-4159-9B3E-41C86DFFA30D}" type="datetimeFigureOut">
               <a:rPr lang="en-US" smtClean="0"/>
-              <a:t>29/05/16</a:t>
+              <a:t>08/06/16</a:t>
             </a:fld>
             <a:endParaRPr lang="en-US"/>
           </a:p>
@@ -1667,7 +1667,7 @@
           <a:p>
             <a:fld id="{D728701E-CAF4-4159-9B3E-41C86DFFA30D}" type="datetimeFigureOut">
               <a:rPr lang="en-US" smtClean="0"/>
-              <a:t>29/05/16</a:t>
+              <a:t>08/06/16</a:t>
             </a:fld>
             <a:endParaRPr lang="en-US"/>
           </a:p>
@@ -1803,7 +1803,7 @@
           <a:p>
             <a:fld id="{D728701E-CAF4-4159-9B3E-41C86DFFA30D}" type="datetimeFigureOut">
               <a:rPr lang="en-US" smtClean="0"/>
-              <a:t>29/05/16</a:t>
+              <a:t>08/06/16</a:t>
             </a:fld>
             <a:endParaRPr lang="en-US"/>
           </a:p>
@@ -2141,7 +2141,7 @@
           <a:p>
             <a:fld id="{D728701E-CAF4-4159-9B3E-41C86DFFA30D}" type="datetimeFigureOut">
               <a:rPr lang="en-US" smtClean="0"/>
-              <a:t>29/05/16</a:t>
+              <a:t>08/06/16</a:t>
             </a:fld>
             <a:endParaRPr lang="en-US"/>
           </a:p>
@@ -2467,7 +2467,7 @@
           <a:p>
             <a:fld id="{D728701E-CAF4-4159-9B3E-41C86DFFA30D}" type="datetimeFigureOut">
               <a:rPr lang="en-US" smtClean="0"/>
-              <a:t>29/05/16</a:t>
+              <a:t>08/06/16</a:t>
             </a:fld>
             <a:endParaRPr lang="en-US"/>
           </a:p>
@@ -2765,7 +2765,7 @@
           <a:p>
             <a:fld id="{D728701E-CAF4-4159-9B3E-41C86DFFA30D}" type="datetimeFigureOut">
               <a:rPr lang="en-US" smtClean="0"/>
-              <a:t>29/05/16</a:t>
+              <a:t>08/06/16</a:t>
             </a:fld>
             <a:endParaRPr lang="en-US"/>
           </a:p>
@@ -3152,7 +3152,7 @@
           <a:p>
             <a:fld id="{D728701E-CAF4-4159-9B3E-41C86DFFA30D}" type="datetimeFigureOut">
               <a:rPr lang="en-US" smtClean="0"/>
-              <a:t>29/05/16</a:t>
+              <a:t>08/06/16</a:t>
             </a:fld>
             <a:endParaRPr lang="en-US"/>
           </a:p>
@@ -3572,7 +3572,7 @@
           <a:p>
             <a:fld id="{D728701E-CAF4-4159-9B3E-41C86DFFA30D}" type="datetimeFigureOut">
               <a:rPr lang="en-US" smtClean="0"/>
-              <a:t>29/05/16</a:t>
+              <a:t>08/06/16</a:t>
             </a:fld>
             <a:endParaRPr lang="en-US"/>
           </a:p>
@@ -4120,7 +4120,7 @@
           <a:p>
             <a:fld id="{D728701E-CAF4-4159-9B3E-41C86DFFA30D}" type="datetimeFigureOut">
               <a:rPr lang="en-US" smtClean="0"/>
-              <a:t>29/05/16</a:t>
+              <a:t>08/06/16</a:t>
             </a:fld>
             <a:endParaRPr lang="en-US"/>
           </a:p>
@@ -4478,7 +4478,7 @@
           <a:p>
             <a:fld id="{D728701E-CAF4-4159-9B3E-41C86DFFA30D}" type="datetimeFigureOut">
               <a:rPr lang="en-US" smtClean="0"/>
-              <a:t>29/05/16</a:t>
+              <a:t>08/06/16</a:t>
             </a:fld>
             <a:endParaRPr lang="en-US"/>
           </a:p>
@@ -4693,7 +4693,7 @@
           <a:p>
             <a:fld id="{D728701E-CAF4-4159-9B3E-41C86DFFA30D}" type="datetimeFigureOut">
               <a:rPr lang="en-US" smtClean="0"/>
-              <a:t>29/05/16</a:t>
+              <a:t>08/06/16</a:t>
             </a:fld>
             <a:endParaRPr lang="en-US"/>
           </a:p>
@@ -5000,7 +5000,7 @@
           <a:p>
             <a:fld id="{D728701E-CAF4-4159-9B3E-41C86DFFA30D}" type="datetimeFigureOut">
               <a:rPr lang="en-US" smtClean="0"/>
-              <a:t>29/05/16</a:t>
+              <a:t>08/06/16</a:t>
             </a:fld>
             <a:endParaRPr lang="en-US"/>
           </a:p>
@@ -5256,7 +5256,7 @@
           <a:p>
             <a:fld id="{D728701E-CAF4-4159-9B3E-41C86DFFA30D}" type="datetimeFigureOut">
               <a:rPr lang="en-US" smtClean="0"/>
-              <a:t>29/05/16</a:t>
+              <a:t>08/06/16</a:t>
             </a:fld>
             <a:endParaRPr lang="en-US"/>
           </a:p>
@@ -5645,7 +5645,7 @@
           <a:p>
             <a:fld id="{D728701E-CAF4-4159-9B3E-41C86DFFA30D}" type="datetimeFigureOut">
               <a:rPr lang="en-US" smtClean="0"/>
-              <a:t>29/05/16</a:t>
+              <a:t>08/06/16</a:t>
             </a:fld>
             <a:endParaRPr lang="en-US"/>
           </a:p>
@@ -6234,7 +6234,7 @@
           <a:p>
             <a:fld id="{D728701E-CAF4-4159-9B3E-41C86DFFA30D}" type="datetimeFigureOut">
               <a:rPr lang="en-US" smtClean="0"/>
-              <a:t>29/05/16</a:t>
+              <a:t>08/06/16</a:t>
             </a:fld>
             <a:endParaRPr lang="en-US"/>
           </a:p>
@@ -6749,7 +6749,7 @@
           <a:p>
             <a:fld id="{D728701E-CAF4-4159-9B3E-41C86DFFA30D}" type="datetimeFigureOut">
               <a:rPr lang="en-US" smtClean="0"/>
-              <a:t>29/05/16</a:t>
+              <a:t>08/06/16</a:t>
             </a:fld>
             <a:endParaRPr lang="en-US"/>
           </a:p>
@@ -7122,7 +7122,7 @@
           <a:p>
             <a:fld id="{D728701E-CAF4-4159-9B3E-41C86DFFA30D}" type="datetimeFigureOut">
               <a:rPr lang="en-US" smtClean="0"/>
-              <a:t>29/05/16</a:t>
+              <a:t>08/06/16</a:t>
             </a:fld>
             <a:endParaRPr lang="en-US"/>
           </a:p>
@@ -7521,7 +7521,7 @@
           <a:p>
             <a:fld id="{D728701E-CAF4-4159-9B3E-41C86DFFA30D}" type="datetimeFigureOut">
               <a:rPr lang="en-US" smtClean="0"/>
-              <a:t>29/05/16</a:t>
+              <a:t>08/06/16</a:t>
             </a:fld>
             <a:endParaRPr lang="en-US"/>
           </a:p>
@@ -7941,7 +7941,7 @@
           <a:p>
             <a:fld id="{D728701E-CAF4-4159-9B3E-41C86DFFA30D}" type="datetimeFigureOut">
               <a:rPr lang="en-US" smtClean="0"/>
-              <a:t>29/05/16</a:t>
+              <a:t>08/06/16</a:t>
             </a:fld>
             <a:endParaRPr lang="en-US"/>
           </a:p>
@@ -8324,7 +8324,7 @@
           <a:p>
             <a:fld id="{D728701E-CAF4-4159-9B3E-41C86DFFA30D}" type="datetimeFigureOut">
               <a:rPr lang="en-US" smtClean="0"/>
-              <a:t>29/05/16</a:t>
+              <a:t>08/06/16</a:t>
             </a:fld>
             <a:endParaRPr lang="en-US"/>
           </a:p>
@@ -8878,7 +8878,7 @@
         <p:spPr>
           <a:xfrm>
             <a:off x="183799" y="5818964"/>
-            <a:ext cx="4812192" cy="748553"/>
+            <a:ext cx="4812192" cy="1426520"/>
           </a:xfrm>
           <a:prstGeom prst="rect">
             <a:avLst/>
@@ -9094,11 +9094,7 @@
           <a:p>
             <a:r>
               <a:rPr lang="fr-FR" sz="1800" dirty="0" smtClean="0"/>
-              <a:t>30 mai </a:t>
-            </a:r>
-            <a:r>
-              <a:rPr lang="fr-FR" sz="1800" dirty="0" smtClean="0"/>
-              <a:t>2016</a:t>
+              <a:t>30 mai 2016</a:t>
             </a:r>
           </a:p>
           <a:p>
